--- a/Presentation.pptx
+++ b/Presentation.pptx
@@ -4461,13 +4461,26 @@
         </p:nvSpPr>
         <p:spPr/>
         <p:txBody>
-          <a:bodyPr/>
+          <a:bodyPr>
+            <a:normAutofit/>
+          </a:bodyPr>
           <a:lstStyle/>
           <a:p>
-            <a:r>
-              <a:rPr lang="en-IN" dirty="0"/>
-              <a:t>Make sure that there should be readme file</a:t>
-            </a:r>
+            <a:pPr marL="0" indent="0" algn="ctr">
+              <a:buNone/>
+            </a:pPr>
+            <a:r>
+              <a:rPr lang="en-IN" sz="2400" dirty="0">
+                <a:latin typeface="Times New Roman" panose="02020603050405020304" pitchFamily="18" charset="0"/>
+                <a:cs typeface="Times New Roman" panose="02020603050405020304" pitchFamily="18" charset="0"/>
+                <a:hlinkClick r:id="rId2"/>
+              </a:rPr>
+              <a:t>https://github.com/zatch2003bell/AICTE-Internship.git</a:t>
+            </a:r>
+            <a:endParaRPr lang="en-IN" sz="2400" dirty="0">
+              <a:latin typeface="Times New Roman" panose="02020603050405020304" pitchFamily="18" charset="0"/>
+              <a:cs typeface="Times New Roman" panose="02020603050405020304" pitchFamily="18" charset="0"/>
+            </a:endParaRPr>
           </a:p>
         </p:txBody>
       </p:sp>
@@ -7219,11 +7232,12 @@
 </file>
 
 <file path=customXml/item1.xml><?xml version="1.0" encoding="utf-8"?>
-<p:properties xmlns:p="http://schemas.microsoft.com/office/2006/metadata/properties" xmlns:xsi="http://www.w3.org/2001/XMLSchema-instance" xmlns:pc="http://schemas.microsoft.com/office/infopath/2007/PartnerControls">
-  <documentManagement>
-    <_activity xmlns="b30265f8-c5e2-4918-b4a1-b977299ca3e2" xsi:nil="true"/>
-  </documentManagement>
-</p:properties>
+<?mso-contentType ?>
+<FormTemplates xmlns="http://schemas.microsoft.com/sharepoint/v3/contenttype/forms">
+  <Display>DocumentLibraryForm</Display>
+  <Edit>DocumentLibraryForm</Edit>
+  <New>DocumentLibraryForm</New>
+</FormTemplates>
 </file>
 
 <file path=customXml/item2.xml><?xml version="1.0" encoding="utf-8"?>
@@ -7460,27 +7474,17 @@
 </file>
 
 <file path=customXml/item3.xml><?xml version="1.0" encoding="utf-8"?>
-<?mso-contentType ?>
-<FormTemplates xmlns="http://schemas.microsoft.com/sharepoint/v3/contenttype/forms">
-  <Display>DocumentLibraryForm</Display>
-  <Edit>DocumentLibraryForm</Edit>
-  <New>DocumentLibraryForm</New>
-</FormTemplates>
+<p:properties xmlns:p="http://schemas.microsoft.com/office/2006/metadata/properties" xmlns:xsi="http://www.w3.org/2001/XMLSchema-instance" xmlns:pc="http://schemas.microsoft.com/office/infopath/2007/PartnerControls">
+  <documentManagement>
+    <_activity xmlns="b30265f8-c5e2-4918-b4a1-b977299ca3e2" xsi:nil="true"/>
+  </documentManagement>
+</p:properties>
 </file>
 
 <file path=customXml/itemProps1.xml><?xml version="1.0" encoding="utf-8"?>
-<ds:datastoreItem xmlns:ds="http://schemas.openxmlformats.org/officeDocument/2006/customXml" ds:itemID="{8D289AE2-D2AE-49D1-AFAC-3A79F6794255}">
+<ds:datastoreItem xmlns:ds="http://schemas.openxmlformats.org/officeDocument/2006/customXml" ds:itemID="{927BD4C1-B6B1-4715-ABF9-E660A51A4EA0}">
   <ds:schemaRefs>
-    <ds:schemaRef ds:uri="http://schemas.openxmlformats.org/package/2006/metadata/core-properties"/>
-    <ds:schemaRef ds:uri="http://schemas.microsoft.com/office/2006/documentManagement/types"/>
-    <ds:schemaRef ds:uri="http://purl.org/dc/dcmitype/"/>
-    <ds:schemaRef ds:uri="http://schemas.microsoft.com/office/infopath/2007/PartnerControls"/>
-    <ds:schemaRef ds:uri="http://purl.org/dc/elements/1.1/"/>
-    <ds:schemaRef ds:uri="http://schemas.microsoft.com/office/2006/metadata/properties"/>
-    <ds:schemaRef ds:uri="fadb41d3-f9cb-40fb-903c-8cacaba95bb5"/>
-    <ds:schemaRef ds:uri="http://purl.org/dc/terms/"/>
-    <ds:schemaRef ds:uri="b30265f8-c5e2-4918-b4a1-b977299ca3e2"/>
-    <ds:schemaRef ds:uri="http://www.w3.org/XML/1998/namespace"/>
+    <ds:schemaRef ds:uri="http://schemas.microsoft.com/sharepoint/v3/contenttype/forms"/>
   </ds:schemaRefs>
 </ds:datastoreItem>
 </file>
@@ -7505,9 +7509,18 @@
 </file>
 
 <file path=customXml/itemProps3.xml><?xml version="1.0" encoding="utf-8"?>
-<ds:datastoreItem xmlns:ds="http://schemas.openxmlformats.org/officeDocument/2006/customXml" ds:itemID="{927BD4C1-B6B1-4715-ABF9-E660A51A4EA0}">
+<ds:datastoreItem xmlns:ds="http://schemas.openxmlformats.org/officeDocument/2006/customXml" ds:itemID="{8D289AE2-D2AE-49D1-AFAC-3A79F6794255}">
   <ds:schemaRefs>
-    <ds:schemaRef ds:uri="http://schemas.microsoft.com/sharepoint/v3/contenttype/forms"/>
+    <ds:schemaRef ds:uri="http://schemas.openxmlformats.org/package/2006/metadata/core-properties"/>
+    <ds:schemaRef ds:uri="http://schemas.microsoft.com/office/2006/documentManagement/types"/>
+    <ds:schemaRef ds:uri="http://purl.org/dc/dcmitype/"/>
+    <ds:schemaRef ds:uri="http://schemas.microsoft.com/office/infopath/2007/PartnerControls"/>
+    <ds:schemaRef ds:uri="http://purl.org/dc/elements/1.1/"/>
+    <ds:schemaRef ds:uri="http://schemas.microsoft.com/office/2006/metadata/properties"/>
+    <ds:schemaRef ds:uri="fadb41d3-f9cb-40fb-903c-8cacaba95bb5"/>
+    <ds:schemaRef ds:uri="http://purl.org/dc/terms/"/>
+    <ds:schemaRef ds:uri="b30265f8-c5e2-4918-b4a1-b977299ca3e2"/>
+    <ds:schemaRef ds:uri="http://www.w3.org/XML/1998/namespace"/>
   </ds:schemaRefs>
 </ds:datastoreItem>
 </file>
--- a/Presentation.pptx
+++ b/Presentation.pptx
@@ -7232,12 +7232,11 @@
 </file>
 
 <file path=customXml/item1.xml><?xml version="1.0" encoding="utf-8"?>
-<?mso-contentType ?>
-<FormTemplates xmlns="http://schemas.microsoft.com/sharepoint/v3/contenttype/forms">
-  <Display>DocumentLibraryForm</Display>
-  <Edit>DocumentLibraryForm</Edit>
-  <New>DocumentLibraryForm</New>
-</FormTemplates>
+<p:properties xmlns:p="http://schemas.microsoft.com/office/2006/metadata/properties" xmlns:xsi="http://www.w3.org/2001/XMLSchema-instance" xmlns:pc="http://schemas.microsoft.com/office/infopath/2007/PartnerControls">
+  <documentManagement>
+    <_activity xmlns="b30265f8-c5e2-4918-b4a1-b977299ca3e2" xsi:nil="true"/>
+  </documentManagement>
+</p:properties>
 </file>
 
 <file path=customXml/item2.xml><?xml version="1.0" encoding="utf-8"?>
@@ -7474,17 +7473,27 @@
 </file>
 
 <file path=customXml/item3.xml><?xml version="1.0" encoding="utf-8"?>
-<p:properties xmlns:p="http://schemas.microsoft.com/office/2006/metadata/properties" xmlns:xsi="http://www.w3.org/2001/XMLSchema-instance" xmlns:pc="http://schemas.microsoft.com/office/infopath/2007/PartnerControls">
-  <documentManagement>
-    <_activity xmlns="b30265f8-c5e2-4918-b4a1-b977299ca3e2" xsi:nil="true"/>
-  </documentManagement>
-</p:properties>
+<?mso-contentType ?>
+<FormTemplates xmlns="http://schemas.microsoft.com/sharepoint/v3/contenttype/forms">
+  <Display>DocumentLibraryForm</Display>
+  <Edit>DocumentLibraryForm</Edit>
+  <New>DocumentLibraryForm</New>
+</FormTemplates>
 </file>
 
 <file path=customXml/itemProps1.xml><?xml version="1.0" encoding="utf-8"?>
-<ds:datastoreItem xmlns:ds="http://schemas.openxmlformats.org/officeDocument/2006/customXml" ds:itemID="{927BD4C1-B6B1-4715-ABF9-E660A51A4EA0}">
+<ds:datastoreItem xmlns:ds="http://schemas.openxmlformats.org/officeDocument/2006/customXml" ds:itemID="{8D289AE2-D2AE-49D1-AFAC-3A79F6794255}">
   <ds:schemaRefs>
-    <ds:schemaRef ds:uri="http://schemas.microsoft.com/sharepoint/v3/contenttype/forms"/>
+    <ds:schemaRef ds:uri="http://schemas.openxmlformats.org/package/2006/metadata/core-properties"/>
+    <ds:schemaRef ds:uri="http://schemas.microsoft.com/office/2006/documentManagement/types"/>
+    <ds:schemaRef ds:uri="http://purl.org/dc/dcmitype/"/>
+    <ds:schemaRef ds:uri="http://schemas.microsoft.com/office/infopath/2007/PartnerControls"/>
+    <ds:schemaRef ds:uri="http://purl.org/dc/elements/1.1/"/>
+    <ds:schemaRef ds:uri="http://schemas.microsoft.com/office/2006/metadata/properties"/>
+    <ds:schemaRef ds:uri="fadb41d3-f9cb-40fb-903c-8cacaba95bb5"/>
+    <ds:schemaRef ds:uri="http://purl.org/dc/terms/"/>
+    <ds:schemaRef ds:uri="b30265f8-c5e2-4918-b4a1-b977299ca3e2"/>
+    <ds:schemaRef ds:uri="http://www.w3.org/XML/1998/namespace"/>
   </ds:schemaRefs>
 </ds:datastoreItem>
 </file>
@@ -7509,18 +7518,9 @@
 </file>
 
 <file path=customXml/itemProps3.xml><?xml version="1.0" encoding="utf-8"?>
-<ds:datastoreItem xmlns:ds="http://schemas.openxmlformats.org/officeDocument/2006/customXml" ds:itemID="{8D289AE2-D2AE-49D1-AFAC-3A79F6794255}">
+<ds:datastoreItem xmlns:ds="http://schemas.openxmlformats.org/officeDocument/2006/customXml" ds:itemID="{927BD4C1-B6B1-4715-ABF9-E660A51A4EA0}">
   <ds:schemaRefs>
-    <ds:schemaRef ds:uri="http://schemas.openxmlformats.org/package/2006/metadata/core-properties"/>
-    <ds:schemaRef ds:uri="http://schemas.microsoft.com/office/2006/documentManagement/types"/>
-    <ds:schemaRef ds:uri="http://purl.org/dc/dcmitype/"/>
-    <ds:schemaRef ds:uri="http://schemas.microsoft.com/office/infopath/2007/PartnerControls"/>
-    <ds:schemaRef ds:uri="http://purl.org/dc/elements/1.1/"/>
-    <ds:schemaRef ds:uri="http://schemas.microsoft.com/office/2006/metadata/properties"/>
-    <ds:schemaRef ds:uri="fadb41d3-f9cb-40fb-903c-8cacaba95bb5"/>
-    <ds:schemaRef ds:uri="http://purl.org/dc/terms/"/>
-    <ds:schemaRef ds:uri="b30265f8-c5e2-4918-b4a1-b977299ca3e2"/>
-    <ds:schemaRef ds:uri="http://www.w3.org/XML/1998/namespace"/>
+    <ds:schemaRef ds:uri="http://schemas.microsoft.com/sharepoint/v3/contenttype/forms"/>
   </ds:schemaRefs>
 </ds:datastoreItem>
 </file>